--- a/doc/Resilient Microservices - Tag 2.pptx
+++ b/doc/Resilient Microservices - Tag 2.pptx
@@ -12,7 +12,8 @@
     <p:sldId id="264" r:id="rId6"/>
     <p:sldId id="265" r:id="rId7"/>
     <p:sldId id="266" r:id="rId8"/>
-    <p:sldId id="267" r:id="rId9"/>
+    <p:sldId id="268" r:id="rId9"/>
+    <p:sldId id="267" r:id="rId10"/>
   </p:sldIdLst>
   <p:sldSz cx="9144000" cy="6858000" type="screen4x3"/>
   <p:notesSz cx="6858000" cy="9144000"/>
@@ -1614,6 +1615,13 @@
   <p:clrMapOvr>
     <a:masterClrMapping/>
   </p:clrMapOvr>
+  <p:timing>
+    <p:tnLst>
+      <p:par>
+        <p:cTn id="1" dur="indefinite" restart="never" nodeType="tmRoot"/>
+      </p:par>
+    </p:tnLst>
+  </p:timing>
 </p:sld>
 </file>
 
@@ -1690,6 +1698,13 @@
   <p:clrMapOvr>
     <a:masterClrMapping/>
   </p:clrMapOvr>
+  <p:timing>
+    <p:tnLst>
+      <p:par>
+        <p:cTn id="1" dur="indefinite" restart="never" nodeType="tmRoot"/>
+      </p:par>
+    </p:tnLst>
+  </p:timing>
 </p:sld>
 </file>
 
@@ -1772,6 +1787,13 @@
   <p:clrMapOvr>
     <a:masterClrMapping/>
   </p:clrMapOvr>
+  <p:timing>
+    <p:tnLst>
+      <p:par>
+        <p:cTn id="1" dur="indefinite" restart="never" nodeType="tmRoot"/>
+      </p:par>
+    </p:tnLst>
+  </p:timing>
 </p:sld>
 </file>
 
@@ -1909,6 +1931,13 @@
   <p:clrMapOvr>
     <a:masterClrMapping/>
   </p:clrMapOvr>
+  <p:timing>
+    <p:tnLst>
+      <p:par>
+        <p:cTn id="1" dur="indefinite" restart="never" nodeType="tmRoot"/>
+      </p:par>
+    </p:tnLst>
+  </p:timing>
 </p:sld>
 </file>
 
@@ -2027,6 +2056,13 @@
   <p:clrMapOvr>
     <a:masterClrMapping/>
   </p:clrMapOvr>
+  <p:timing>
+    <p:tnLst>
+      <p:par>
+        <p:cTn id="1" dur="indefinite" restart="never" nodeType="tmRoot"/>
+      </p:par>
+    </p:tnLst>
+  </p:timing>
 </p:sld>
 </file>
 
@@ -2063,6 +2099,464 @@
           <a:lstStyle/>
           <a:p>
             <a:r>
+              <a:rPr lang="de-DE" dirty="0" smtClean="0"/>
+              <a:t>JSON Model</a:t>
+            </a:r>
+            <a:endParaRPr lang="de-DE" dirty="0"/>
+          </a:p>
+        </p:txBody>
+      </p:sp>
+      <p:sp>
+        <p:nvSpPr>
+          <p:cNvPr id="3" name="Inhaltsplatzhalter 2"/>
+          <p:cNvSpPr>
+            <a:spLocks noGrp="1"/>
+          </p:cNvSpPr>
+          <p:nvPr>
+            <p:ph idx="1"/>
+          </p:nvPr>
+        </p:nvSpPr>
+        <p:spPr>
+          <a:xfrm>
+            <a:off x="685800" y="1524000"/>
+            <a:ext cx="7772400" cy="4713312"/>
+          </a:xfrm>
+        </p:spPr>
+        <p:txBody>
+          <a:bodyPr/>
+          <a:lstStyle/>
+          <a:p>
+            <a:pPr marL="0" indent="0">
+              <a:buNone/>
+            </a:pPr>
+            <a:r>
+              <a:rPr lang="de-DE" sz="2000" dirty="0">
+                <a:latin typeface="Courier New" panose="02070309020205020404" pitchFamily="49" charset="0"/>
+                <a:cs typeface="Courier New" panose="02070309020205020404" pitchFamily="49" charset="0"/>
+              </a:rPr>
+              <a:t>{ </a:t>
+            </a:r>
+            <a:r>
+              <a:rPr lang="de-DE" sz="2000" dirty="0" smtClean="0">
+                <a:latin typeface="Courier New" panose="02070309020205020404" pitchFamily="49" charset="0"/>
+                <a:cs typeface="Courier New" panose="02070309020205020404" pitchFamily="49" charset="0"/>
+              </a:rPr>
+              <a:t> </a:t>
+            </a:r>
+          </a:p>
+          <a:p>
+            <a:pPr marL="0" indent="0">
+              <a:buNone/>
+            </a:pPr>
+            <a:r>
+              <a:rPr lang="de-DE" sz="2000" dirty="0" smtClean="0">
+                <a:latin typeface="Courier New" panose="02070309020205020404" pitchFamily="49" charset="0"/>
+                <a:cs typeface="Courier New" panose="02070309020205020404" pitchFamily="49" charset="0"/>
+              </a:rPr>
+              <a:t>  "</a:t>
+            </a:r>
+            <a:r>
+              <a:rPr lang="de-DE" sz="2000" dirty="0" err="1">
+                <a:latin typeface="Courier New" panose="02070309020205020404" pitchFamily="49" charset="0"/>
+                <a:cs typeface="Courier New" panose="02070309020205020404" pitchFamily="49" charset="0"/>
+              </a:rPr>
+              <a:t>salutation</a:t>
+            </a:r>
+            <a:r>
+              <a:rPr lang="de-DE" sz="2000" dirty="0">
+                <a:latin typeface="Courier New" panose="02070309020205020404" pitchFamily="49" charset="0"/>
+                <a:cs typeface="Courier New" panose="02070309020205020404" pitchFamily="49" charset="0"/>
+              </a:rPr>
+              <a:t>":"MR",  </a:t>
+            </a:r>
+            <a:endParaRPr lang="de-DE" sz="2000" dirty="0" smtClean="0">
+              <a:latin typeface="Courier New" panose="02070309020205020404" pitchFamily="49" charset="0"/>
+              <a:cs typeface="Courier New" panose="02070309020205020404" pitchFamily="49" charset="0"/>
+            </a:endParaRPr>
+          </a:p>
+          <a:p>
+            <a:pPr marL="0" indent="0">
+              <a:buNone/>
+            </a:pPr>
+            <a:r>
+              <a:rPr lang="de-DE" sz="2000" dirty="0">
+                <a:latin typeface="Courier New" panose="02070309020205020404" pitchFamily="49" charset="0"/>
+                <a:cs typeface="Courier New" panose="02070309020205020404" pitchFamily="49" charset="0"/>
+              </a:rPr>
+              <a:t> </a:t>
+            </a:r>
+            <a:r>
+              <a:rPr lang="de-DE" sz="2000" dirty="0" smtClean="0">
+                <a:latin typeface="Courier New" panose="02070309020205020404" pitchFamily="49" charset="0"/>
+                <a:cs typeface="Courier New" panose="02070309020205020404" pitchFamily="49" charset="0"/>
+              </a:rPr>
+              <a:t> "</a:t>
+            </a:r>
+            <a:r>
+              <a:rPr lang="de-DE" sz="2000" dirty="0" err="1">
+                <a:latin typeface="Courier New" panose="02070309020205020404" pitchFamily="49" charset="0"/>
+                <a:cs typeface="Courier New" panose="02070309020205020404" pitchFamily="49" charset="0"/>
+              </a:rPr>
+              <a:t>firstName</a:t>
+            </a:r>
+            <a:r>
+              <a:rPr lang="de-DE" sz="2000" dirty="0">
+                <a:latin typeface="Courier New" panose="02070309020205020404" pitchFamily="49" charset="0"/>
+                <a:cs typeface="Courier New" panose="02070309020205020404" pitchFamily="49" charset="0"/>
+              </a:rPr>
+              <a:t>":"Oliver",  </a:t>
+            </a:r>
+            <a:endParaRPr lang="de-DE" sz="2000" dirty="0" smtClean="0">
+              <a:latin typeface="Courier New" panose="02070309020205020404" pitchFamily="49" charset="0"/>
+              <a:cs typeface="Courier New" panose="02070309020205020404" pitchFamily="49" charset="0"/>
+            </a:endParaRPr>
+          </a:p>
+          <a:p>
+            <a:pPr marL="0" indent="0">
+              <a:buNone/>
+            </a:pPr>
+            <a:r>
+              <a:rPr lang="de-DE" sz="2000" dirty="0">
+                <a:latin typeface="Courier New" panose="02070309020205020404" pitchFamily="49" charset="0"/>
+                <a:cs typeface="Courier New" panose="02070309020205020404" pitchFamily="49" charset="0"/>
+              </a:rPr>
+              <a:t> </a:t>
+            </a:r>
+            <a:r>
+              <a:rPr lang="de-DE" sz="2000" dirty="0" smtClean="0">
+                <a:latin typeface="Courier New" panose="02070309020205020404" pitchFamily="49" charset="0"/>
+                <a:cs typeface="Courier New" panose="02070309020205020404" pitchFamily="49" charset="0"/>
+              </a:rPr>
+              <a:t> "</a:t>
+            </a:r>
+            <a:r>
+              <a:rPr lang="de-DE" sz="2000" dirty="0" err="1">
+                <a:latin typeface="Courier New" panose="02070309020205020404" pitchFamily="49" charset="0"/>
+                <a:cs typeface="Courier New" panose="02070309020205020404" pitchFamily="49" charset="0"/>
+              </a:rPr>
+              <a:t>lastName</a:t>
+            </a:r>
+            <a:r>
+              <a:rPr lang="de-DE" sz="2000" dirty="0">
+                <a:latin typeface="Courier New" panose="02070309020205020404" pitchFamily="49" charset="0"/>
+                <a:cs typeface="Courier New" panose="02070309020205020404" pitchFamily="49" charset="0"/>
+              </a:rPr>
+              <a:t>":"Wronka",  </a:t>
+            </a:r>
+            <a:endParaRPr lang="de-DE" sz="2000" dirty="0" smtClean="0">
+              <a:latin typeface="Courier New" panose="02070309020205020404" pitchFamily="49" charset="0"/>
+              <a:cs typeface="Courier New" panose="02070309020205020404" pitchFamily="49" charset="0"/>
+            </a:endParaRPr>
+          </a:p>
+          <a:p>
+            <a:pPr marL="0" indent="0">
+              <a:buNone/>
+            </a:pPr>
+            <a:r>
+              <a:rPr lang="de-DE" sz="2000" dirty="0">
+                <a:latin typeface="Courier New" panose="02070309020205020404" pitchFamily="49" charset="0"/>
+                <a:cs typeface="Courier New" panose="02070309020205020404" pitchFamily="49" charset="0"/>
+              </a:rPr>
+              <a:t> </a:t>
+            </a:r>
+            <a:r>
+              <a:rPr lang="de-DE" sz="2000" dirty="0" smtClean="0">
+                <a:latin typeface="Courier New" panose="02070309020205020404" pitchFamily="49" charset="0"/>
+                <a:cs typeface="Courier New" panose="02070309020205020404" pitchFamily="49" charset="0"/>
+              </a:rPr>
+              <a:t> "</a:t>
+            </a:r>
+            <a:r>
+              <a:rPr lang="de-DE" sz="2000" smtClean="0">
+                <a:latin typeface="Courier New" panose="02070309020205020404" pitchFamily="49" charset="0"/>
+                <a:cs typeface="Courier New" panose="02070309020205020404" pitchFamily="49" charset="0"/>
+              </a:rPr>
+              <a:t>eMail</a:t>
+            </a:r>
+            <a:r>
+              <a:rPr lang="de-DE" sz="2000" dirty="0">
+                <a:latin typeface="Courier New" panose="02070309020205020404" pitchFamily="49" charset="0"/>
+                <a:cs typeface="Courier New" panose="02070309020205020404" pitchFamily="49" charset="0"/>
+              </a:rPr>
+              <a:t>":"wronka@axxessio.com</a:t>
+            </a:r>
+            <a:r>
+              <a:rPr lang="de-DE" sz="2000" dirty="0" smtClean="0">
+                <a:latin typeface="Courier New" panose="02070309020205020404" pitchFamily="49" charset="0"/>
+                <a:cs typeface="Courier New" panose="02070309020205020404" pitchFamily="49" charset="0"/>
+              </a:rPr>
+              <a:t>",</a:t>
+            </a:r>
+          </a:p>
+          <a:p>
+            <a:pPr marL="0" indent="0">
+              <a:buNone/>
+            </a:pPr>
+            <a:r>
+              <a:rPr lang="de-DE" sz="2000" dirty="0" smtClean="0">
+                <a:latin typeface="Courier New" panose="02070309020205020404" pitchFamily="49" charset="0"/>
+                <a:cs typeface="Courier New" panose="02070309020205020404" pitchFamily="49" charset="0"/>
+              </a:rPr>
+              <a:t>  </a:t>
+            </a:r>
+            <a:r>
+              <a:rPr lang="de-DE" sz="2000" dirty="0">
+                <a:latin typeface="Courier New" panose="02070309020205020404" pitchFamily="49" charset="0"/>
+                <a:cs typeface="Courier New" panose="02070309020205020404" pitchFamily="49" charset="0"/>
+              </a:rPr>
+              <a:t>"</a:t>
+            </a:r>
+            <a:r>
+              <a:rPr lang="de-DE" sz="2000" dirty="0" err="1">
+                <a:latin typeface="Courier New" panose="02070309020205020404" pitchFamily="49" charset="0"/>
+                <a:cs typeface="Courier New" panose="02070309020205020404" pitchFamily="49" charset="0"/>
+              </a:rPr>
+              <a:t>account</a:t>
+            </a:r>
+            <a:r>
+              <a:rPr lang="de-DE" sz="2000" dirty="0">
+                <a:latin typeface="Courier New" panose="02070309020205020404" pitchFamily="49" charset="0"/>
+                <a:cs typeface="Courier New" panose="02070309020205020404" pitchFamily="49" charset="0"/>
+              </a:rPr>
+              <a:t>":"</a:t>
+            </a:r>
+            <a:r>
+              <a:rPr lang="de-DE" sz="2000" dirty="0" err="1">
+                <a:latin typeface="Courier New" panose="02070309020205020404" pitchFamily="49" charset="0"/>
+                <a:cs typeface="Courier New" panose="02070309020205020404" pitchFamily="49" charset="0"/>
+              </a:rPr>
+              <a:t>owronka</a:t>
+            </a:r>
+            <a:r>
+              <a:rPr lang="de-DE" sz="2000" dirty="0" smtClean="0">
+                <a:latin typeface="Courier New" panose="02070309020205020404" pitchFamily="49" charset="0"/>
+                <a:cs typeface="Courier New" panose="02070309020205020404" pitchFamily="49" charset="0"/>
+              </a:rPr>
+              <a:t>",</a:t>
+            </a:r>
+          </a:p>
+          <a:p>
+            <a:pPr marL="0" indent="0">
+              <a:buNone/>
+            </a:pPr>
+            <a:r>
+              <a:rPr lang="de-DE" sz="2000" dirty="0" smtClean="0">
+                <a:latin typeface="Courier New" panose="02070309020205020404" pitchFamily="49" charset="0"/>
+                <a:cs typeface="Courier New" panose="02070309020205020404" pitchFamily="49" charset="0"/>
+              </a:rPr>
+              <a:t>  </a:t>
+            </a:r>
+            <a:r>
+              <a:rPr lang="de-DE" sz="2000" dirty="0">
+                <a:latin typeface="Courier New" panose="02070309020205020404" pitchFamily="49" charset="0"/>
+                <a:cs typeface="Courier New" panose="02070309020205020404" pitchFamily="49" charset="0"/>
+              </a:rPr>
+              <a:t>"password":"test1234</a:t>
+            </a:r>
+            <a:r>
+              <a:rPr lang="de-DE" sz="2000" dirty="0" smtClean="0">
+                <a:latin typeface="Courier New" panose="02070309020205020404" pitchFamily="49" charset="0"/>
+                <a:cs typeface="Courier New" panose="02070309020205020404" pitchFamily="49" charset="0"/>
+              </a:rPr>
+              <a:t>",</a:t>
+            </a:r>
+          </a:p>
+          <a:p>
+            <a:pPr marL="0" indent="0">
+              <a:buNone/>
+            </a:pPr>
+            <a:r>
+              <a:rPr lang="de-DE" sz="2000" dirty="0" smtClean="0">
+                <a:latin typeface="Courier New" panose="02070309020205020404" pitchFamily="49" charset="0"/>
+                <a:cs typeface="Courier New" panose="02070309020205020404" pitchFamily="49" charset="0"/>
+              </a:rPr>
+              <a:t>  </a:t>
+            </a:r>
+            <a:r>
+              <a:rPr lang="de-DE" sz="2000" dirty="0">
+                <a:latin typeface="Courier New" panose="02070309020205020404" pitchFamily="49" charset="0"/>
+                <a:cs typeface="Courier New" panose="02070309020205020404" pitchFamily="49" charset="0"/>
+              </a:rPr>
+              <a:t>"</a:t>
+            </a:r>
+            <a:r>
+              <a:rPr lang="de-DE" sz="2000" dirty="0" err="1">
+                <a:latin typeface="Courier New" panose="02070309020205020404" pitchFamily="49" charset="0"/>
+                <a:cs typeface="Courier New" panose="02070309020205020404" pitchFamily="49" charset="0"/>
+              </a:rPr>
+              <a:t>country</a:t>
+            </a:r>
+            <a:r>
+              <a:rPr lang="de-DE" sz="2000" dirty="0">
+                <a:latin typeface="Courier New" panose="02070309020205020404" pitchFamily="49" charset="0"/>
+                <a:cs typeface="Courier New" panose="02070309020205020404" pitchFamily="49" charset="0"/>
+              </a:rPr>
+              <a:t>":"DE</a:t>
+            </a:r>
+            <a:r>
+              <a:rPr lang="de-DE" sz="2000" dirty="0" smtClean="0">
+                <a:latin typeface="Courier New" panose="02070309020205020404" pitchFamily="49" charset="0"/>
+                <a:cs typeface="Courier New" panose="02070309020205020404" pitchFamily="49" charset="0"/>
+              </a:rPr>
+              <a:t>",</a:t>
+            </a:r>
+          </a:p>
+          <a:p>
+            <a:pPr marL="0" indent="0">
+              <a:buNone/>
+            </a:pPr>
+            <a:r>
+              <a:rPr lang="de-DE" sz="2000" dirty="0" smtClean="0">
+                <a:latin typeface="Courier New" panose="02070309020205020404" pitchFamily="49" charset="0"/>
+                <a:cs typeface="Courier New" panose="02070309020205020404" pitchFamily="49" charset="0"/>
+              </a:rPr>
+              <a:t>  </a:t>
+            </a:r>
+            <a:r>
+              <a:rPr lang="de-DE" sz="2000" dirty="0">
+                <a:latin typeface="Courier New" panose="02070309020205020404" pitchFamily="49" charset="0"/>
+                <a:cs typeface="Courier New" panose="02070309020205020404" pitchFamily="49" charset="0"/>
+              </a:rPr>
+              <a:t>"zip":"53177</a:t>
+            </a:r>
+            <a:r>
+              <a:rPr lang="de-DE" sz="2000" dirty="0" smtClean="0">
+                <a:latin typeface="Courier New" panose="02070309020205020404" pitchFamily="49" charset="0"/>
+                <a:cs typeface="Courier New" panose="02070309020205020404" pitchFamily="49" charset="0"/>
+              </a:rPr>
+              <a:t>",</a:t>
+            </a:r>
+          </a:p>
+          <a:p>
+            <a:pPr marL="0" indent="0">
+              <a:buNone/>
+            </a:pPr>
+            <a:r>
+              <a:rPr lang="de-DE" sz="2000" dirty="0" smtClean="0">
+                <a:latin typeface="Courier New" panose="02070309020205020404" pitchFamily="49" charset="0"/>
+                <a:cs typeface="Courier New" panose="02070309020205020404" pitchFamily="49" charset="0"/>
+              </a:rPr>
+              <a:t>  </a:t>
+            </a:r>
+            <a:r>
+              <a:rPr lang="de-DE" sz="2000" dirty="0">
+                <a:latin typeface="Courier New" panose="02070309020205020404" pitchFamily="49" charset="0"/>
+                <a:cs typeface="Courier New" panose="02070309020205020404" pitchFamily="49" charset="0"/>
+              </a:rPr>
+              <a:t>"</a:t>
+            </a:r>
+            <a:r>
+              <a:rPr lang="de-DE" sz="2000" dirty="0" err="1">
+                <a:latin typeface="Courier New" panose="02070309020205020404" pitchFamily="49" charset="0"/>
+                <a:cs typeface="Courier New" panose="02070309020205020404" pitchFamily="49" charset="0"/>
+              </a:rPr>
+              <a:t>street</a:t>
+            </a:r>
+            <a:r>
+              <a:rPr lang="de-DE" sz="2000" dirty="0">
+                <a:latin typeface="Courier New" panose="02070309020205020404" pitchFamily="49" charset="0"/>
+                <a:cs typeface="Courier New" panose="02070309020205020404" pitchFamily="49" charset="0"/>
+              </a:rPr>
+              <a:t>":"Kurfürstenallee</a:t>
+            </a:r>
+            <a:r>
+              <a:rPr lang="de-DE" sz="2000" dirty="0" smtClean="0">
+                <a:latin typeface="Courier New" panose="02070309020205020404" pitchFamily="49" charset="0"/>
+                <a:cs typeface="Courier New" panose="02070309020205020404" pitchFamily="49" charset="0"/>
+              </a:rPr>
+              <a:t>",</a:t>
+            </a:r>
+          </a:p>
+          <a:p>
+            <a:pPr marL="0" indent="0">
+              <a:buNone/>
+            </a:pPr>
+            <a:r>
+              <a:rPr lang="de-DE" sz="2000" dirty="0" smtClean="0">
+                <a:latin typeface="Courier New" panose="02070309020205020404" pitchFamily="49" charset="0"/>
+                <a:cs typeface="Courier New" panose="02070309020205020404" pitchFamily="49" charset="0"/>
+              </a:rPr>
+              <a:t>  </a:t>
+            </a:r>
+            <a:r>
+              <a:rPr lang="de-DE" sz="2000" dirty="0">
+                <a:latin typeface="Courier New" panose="02070309020205020404" pitchFamily="49" charset="0"/>
+                <a:cs typeface="Courier New" panose="02070309020205020404" pitchFamily="49" charset="0"/>
+              </a:rPr>
+              <a:t>"houseNo":"</a:t>
+            </a:r>
+            <a:r>
+              <a:rPr lang="de-DE" sz="2000" dirty="0" smtClean="0">
+                <a:latin typeface="Courier New" panose="02070309020205020404" pitchFamily="49" charset="0"/>
+                <a:cs typeface="Courier New" panose="02070309020205020404" pitchFamily="49" charset="0"/>
+              </a:rPr>
+              <a:t>5„</a:t>
+            </a:r>
+          </a:p>
+          <a:p>
+            <a:pPr marL="0" indent="0">
+              <a:buNone/>
+            </a:pPr>
+            <a:r>
+              <a:rPr lang="de-DE" sz="2000" dirty="0" smtClean="0">
+                <a:latin typeface="Courier New" panose="02070309020205020404" pitchFamily="49" charset="0"/>
+                <a:cs typeface="Courier New" panose="02070309020205020404" pitchFamily="49" charset="0"/>
+              </a:rPr>
+              <a:t>}</a:t>
+            </a:r>
+            <a:endParaRPr lang="de-DE" sz="2000" dirty="0">
+              <a:latin typeface="Courier New" panose="02070309020205020404" pitchFamily="49" charset="0"/>
+              <a:cs typeface="Courier New" panose="02070309020205020404" pitchFamily="49" charset="0"/>
+            </a:endParaRPr>
+          </a:p>
+        </p:txBody>
+      </p:sp>
+    </p:spTree>
+    <p:extLst>
+      <p:ext uri="{BB962C8B-B14F-4D97-AF65-F5344CB8AC3E}">
+        <p14:creationId xmlns:p14="http://schemas.microsoft.com/office/powerpoint/2010/main" val="3726272834"/>
+      </p:ext>
+    </p:extLst>
+  </p:cSld>
+  <p:clrMapOvr>
+    <a:masterClrMapping/>
+  </p:clrMapOvr>
+</p:sld>
+</file>
+
+<file path=ppt/slides/slide9.xml><?xml version="1.0" encoding="utf-8"?>
+<p:sld xmlns:a="http://schemas.openxmlformats.org/drawingml/2006/main" xmlns:r="http://schemas.openxmlformats.org/officeDocument/2006/relationships" xmlns:p="http://schemas.openxmlformats.org/presentationml/2006/main">
+  <p:cSld>
+    <p:spTree>
+      <p:nvGrpSpPr>
+        <p:cNvPr id="1" name=""/>
+        <p:cNvGrpSpPr/>
+        <p:nvPr/>
+      </p:nvGrpSpPr>
+      <p:grpSpPr>
+        <a:xfrm>
+          <a:off x="0" y="0"/>
+          <a:ext cx="0" cy="0"/>
+          <a:chOff x="0" y="0"/>
+          <a:chExt cx="0" cy="0"/>
+        </a:xfrm>
+      </p:grpSpPr>
+      <p:sp>
+        <p:nvSpPr>
+          <p:cNvPr id="2" name="Titel 1"/>
+          <p:cNvSpPr>
+            <a:spLocks noGrp="1"/>
+          </p:cNvSpPr>
+          <p:nvPr>
+            <p:ph type="title"/>
+          </p:nvPr>
+        </p:nvSpPr>
+        <p:spPr/>
+        <p:txBody>
+          <a:bodyPr/>
+          <a:lstStyle/>
+          <a:p>
+            <a:r>
               <a:rPr lang="de-DE" dirty="0" err="1" smtClean="0"/>
               <a:t>Entwurfmuster</a:t>
             </a:r>
@@ -2116,6 +2610,13 @@
   <p:clrMapOvr>
     <a:masterClrMapping/>
   </p:clrMapOvr>
+  <p:timing>
+    <p:tnLst>
+      <p:par>
+        <p:cTn id="1" dur="indefinite" restart="never" nodeType="tmRoot"/>
+      </p:par>
+    </p:tnLst>
+  </p:timing>
 </p:sld>
 </file>
 

--- a/doc/Resilient Microservices - Tag 2.pptx
+++ b/doc/Resilient Microservices - Tag 2.pptx
@@ -1485,11 +1485,7 @@
             </a:r>
             <a:r>
               <a:rPr lang="de-DE" dirty="0" smtClean="0"/>
-              <a:t>: Marcel Oliver </a:t>
-            </a:r>
-            <a:r>
-              <a:rPr lang="de-DE" dirty="0" smtClean="0"/>
-              <a:t>Krug</a:t>
+              <a:t>: Marcel Oliver Krug</a:t>
             </a:r>
           </a:p>
           <a:p>
@@ -3133,6 +3129,46 @@
           </a:p>
         </p:txBody>
       </p:sp>
+      <p:cxnSp>
+        <p:nvCxnSpPr>
+          <p:cNvPr id="4" name="Gerader Verbinder 3"/>
+          <p:cNvCxnSpPr/>
+          <p:nvPr/>
+        </p:nvCxnSpPr>
+        <p:spPr bwMode="auto">
+          <a:xfrm>
+            <a:off x="3131840" y="3789040"/>
+            <a:ext cx="5760640" cy="0"/>
+          </a:xfrm>
+          <a:prstGeom prst="line">
+            <a:avLst/>
+          </a:prstGeom>
+          <a:solidFill>
+            <a:schemeClr val="accent1"/>
+          </a:solidFill>
+          <a:ln w="57150" cap="flat" cmpd="sng" algn="ctr">
+            <a:solidFill>
+              <a:srgbClr val="00B050"/>
+            </a:solidFill>
+            <a:prstDash val="solid"/>
+            <a:round/>
+            <a:headEnd type="none" w="med" len="med"/>
+            <a:tailEnd type="none" w="med" len="med"/>
+          </a:ln>
+          <a:effectLst/>
+          <a:extLst>
+            <a:ext uri="{AF507438-7753-43E0-B8FC-AC1667EBCBE1}">
+              <a14:hiddenEffects xmlns:a14="http://schemas.microsoft.com/office/drawing/2010/main">
+                <a:effectLst>
+                  <a:outerShdw dist="35921" dir="2700000" algn="ctr" rotWithShape="0">
+                    <a:schemeClr val="bg2"/>
+                  </a:outerShdw>
+                </a:effectLst>
+              </a14:hiddenEffects>
+            </a:ext>
+          </a:extLst>
+        </p:spPr>
+      </p:cxnSp>
     </p:spTree>
     <p:extLst>
       <p:ext uri="{BB962C8B-B14F-4D97-AF65-F5344CB8AC3E}">

--- a/doc/Resilient Microservices - Tag 2.pptx
+++ b/doc/Resilient Microservices - Tag 2.pptx
@@ -216,7 +216,7 @@
           <a:p>
             <a:pPr lvl="0"/>
             <a:r>
-              <a:rPr lang="de-DE" altLang="de-DE" noProof="0" smtClean="0"/>
+              <a:rPr lang="de-DE" altLang="de-DE" noProof="0"/>
               <a:t>Titelmasterformat durch Klicken bearbeiten</a:t>
             </a:r>
           </a:p>
@@ -254,7 +254,7 @@
           <a:p>
             <a:pPr lvl="0"/>
             <a:r>
-              <a:rPr lang="de-DE" altLang="de-DE" noProof="0" smtClean="0"/>
+              <a:rPr lang="de-DE" altLang="de-DE" noProof="0"/>
               <a:t>Formatvorlage des Untertitelmasters durch Klicken bearbeiten</a:t>
             </a:r>
           </a:p>
@@ -265,13 +265,6 @@
   <p:clrMapOvr>
     <a:masterClrMapping/>
   </p:clrMapOvr>
-  <p:timing>
-    <p:tnLst>
-      <p:par>
-        <p:cTn id="1" dur="indefinite" restart="never" nodeType="tmRoot"/>
-      </p:par>
-    </p:tnLst>
-  </p:timing>
 </p:sldLayout>
 </file>
 
@@ -316,10 +309,9 @@
           <a:lstStyle/>
           <a:p>
             <a:r>
-              <a:rPr lang="de-DE" smtClean="0"/>
+              <a:rPr lang="de-DE"/>
               <a:t>Titelmasterformat durch Klicken bearbeiten</a:t>
             </a:r>
-            <a:endParaRPr lang="de-DE"/>
           </a:p>
         </p:txBody>
       </p:sp>
@@ -340,38 +332,37 @@
           <a:p>
             <a:pPr lvl="0"/>
             <a:r>
-              <a:rPr lang="de-DE" smtClean="0"/>
+              <a:rPr lang="de-DE"/>
               <a:t>Textmasterformat bearbeiten</a:t>
             </a:r>
           </a:p>
           <a:p>
             <a:pPr lvl="1"/>
             <a:r>
-              <a:rPr lang="de-DE" smtClean="0"/>
+              <a:rPr lang="de-DE"/>
               <a:t>Zweite Ebene</a:t>
             </a:r>
           </a:p>
           <a:p>
             <a:pPr lvl="2"/>
             <a:r>
-              <a:rPr lang="de-DE" smtClean="0"/>
+              <a:rPr lang="de-DE"/>
               <a:t>Dritte Ebene</a:t>
             </a:r>
           </a:p>
           <a:p>
             <a:pPr lvl="3"/>
             <a:r>
-              <a:rPr lang="de-DE" smtClean="0"/>
+              <a:rPr lang="de-DE"/>
               <a:t>Vierte Ebene</a:t>
             </a:r>
           </a:p>
           <a:p>
             <a:pPr lvl="4"/>
             <a:r>
-              <a:rPr lang="de-DE" smtClean="0"/>
+              <a:rPr lang="de-DE"/>
               <a:t>Fünfte Ebene</a:t>
             </a:r>
-            <a:endParaRPr lang="de-DE"/>
           </a:p>
         </p:txBody>
       </p:sp>
@@ -385,13 +376,6 @@
   <p:clrMapOvr>
     <a:masterClrMapping/>
   </p:clrMapOvr>
-  <p:timing>
-    <p:tnLst>
-      <p:par>
-        <p:cTn id="1" dur="indefinite" restart="never" nodeType="tmRoot"/>
-      </p:par>
-    </p:tnLst>
-  </p:timing>
 </p:sldLayout>
 </file>
 
@@ -436,10 +420,9 @@
           <a:lstStyle/>
           <a:p>
             <a:r>
-              <a:rPr lang="de-DE" smtClean="0"/>
+              <a:rPr lang="de-DE"/>
               <a:t>Titelmasterformat durch Klicken bearbeiten</a:t>
             </a:r>
-            <a:endParaRPr lang="de-DE"/>
           </a:p>
         </p:txBody>
       </p:sp>
@@ -493,38 +476,37 @@
           <a:p>
             <a:pPr lvl="0"/>
             <a:r>
-              <a:rPr lang="de-DE" smtClean="0"/>
+              <a:rPr lang="de-DE"/>
               <a:t>Textmasterformat bearbeiten</a:t>
             </a:r>
           </a:p>
           <a:p>
             <a:pPr lvl="1"/>
             <a:r>
-              <a:rPr lang="de-DE" smtClean="0"/>
+              <a:rPr lang="de-DE"/>
               <a:t>Zweite Ebene</a:t>
             </a:r>
           </a:p>
           <a:p>
             <a:pPr lvl="2"/>
             <a:r>
-              <a:rPr lang="de-DE" smtClean="0"/>
+              <a:rPr lang="de-DE"/>
               <a:t>Dritte Ebene</a:t>
             </a:r>
           </a:p>
           <a:p>
             <a:pPr lvl="3"/>
             <a:r>
-              <a:rPr lang="de-DE" smtClean="0"/>
+              <a:rPr lang="de-DE"/>
               <a:t>Vierte Ebene</a:t>
             </a:r>
           </a:p>
           <a:p>
             <a:pPr lvl="4"/>
             <a:r>
-              <a:rPr lang="de-DE" smtClean="0"/>
+              <a:rPr lang="de-DE"/>
               <a:t>Fünfte Ebene</a:t>
             </a:r>
-            <a:endParaRPr lang="de-DE"/>
           </a:p>
         </p:txBody>
       </p:sp>
@@ -578,38 +560,37 @@
           <a:p>
             <a:pPr lvl="0"/>
             <a:r>
-              <a:rPr lang="de-DE" smtClean="0"/>
+              <a:rPr lang="de-DE"/>
               <a:t>Textmasterformat bearbeiten</a:t>
             </a:r>
           </a:p>
           <a:p>
             <a:pPr lvl="1"/>
             <a:r>
-              <a:rPr lang="de-DE" smtClean="0"/>
+              <a:rPr lang="de-DE"/>
               <a:t>Zweite Ebene</a:t>
             </a:r>
           </a:p>
           <a:p>
             <a:pPr lvl="2"/>
             <a:r>
-              <a:rPr lang="de-DE" smtClean="0"/>
+              <a:rPr lang="de-DE"/>
               <a:t>Dritte Ebene</a:t>
             </a:r>
           </a:p>
           <a:p>
             <a:pPr lvl="3"/>
             <a:r>
-              <a:rPr lang="de-DE" smtClean="0"/>
+              <a:rPr lang="de-DE"/>
               <a:t>Vierte Ebene</a:t>
             </a:r>
           </a:p>
           <a:p>
             <a:pPr lvl="4"/>
             <a:r>
-              <a:rPr lang="de-DE" smtClean="0"/>
+              <a:rPr lang="de-DE"/>
               <a:t>Fünfte Ebene</a:t>
             </a:r>
-            <a:endParaRPr lang="de-DE"/>
           </a:p>
         </p:txBody>
       </p:sp>
@@ -623,13 +604,6 @@
   <p:clrMapOvr>
     <a:masterClrMapping/>
   </p:clrMapOvr>
-  <p:timing>
-    <p:tnLst>
-      <p:par>
-        <p:cTn id="1" dur="indefinite" restart="never" nodeType="tmRoot"/>
-      </p:par>
-    </p:tnLst>
-  </p:timing>
 </p:sldLayout>
 </file>
 
@@ -710,35 +684,35 @@
           <a:p>
             <a:pPr lvl="0"/>
             <a:r>
-              <a:rPr lang="de-DE" altLang="de-DE" smtClean="0"/>
+              <a:rPr lang="de-DE" altLang="de-DE"/>
               <a:t>Mastertextformat bearbeiten</a:t>
             </a:r>
           </a:p>
           <a:p>
             <a:pPr lvl="1"/>
             <a:r>
-              <a:rPr lang="de-DE" altLang="de-DE" smtClean="0"/>
+              <a:rPr lang="de-DE" altLang="de-DE"/>
               <a:t>Zweite Ebene</a:t>
             </a:r>
           </a:p>
           <a:p>
             <a:pPr lvl="2"/>
             <a:r>
-              <a:rPr lang="de-DE" altLang="de-DE" smtClean="0"/>
+              <a:rPr lang="de-DE" altLang="de-DE"/>
               <a:t>Dritte Ebene</a:t>
             </a:r>
           </a:p>
           <a:p>
             <a:pPr lvl="3"/>
             <a:r>
-              <a:rPr lang="de-DE" altLang="de-DE" smtClean="0"/>
+              <a:rPr lang="de-DE" altLang="de-DE"/>
               <a:t>Vierte Ebene</a:t>
             </a:r>
           </a:p>
           <a:p>
             <a:pPr lvl="4"/>
             <a:r>
-              <a:rPr lang="de-DE" altLang="de-DE" smtClean="0"/>
+              <a:rPr lang="de-DE" altLang="de-DE"/>
               <a:t>Fünfte Ebene</a:t>
             </a:r>
           </a:p>
@@ -796,7 +770,7 @@
           <a:p>
             <a:pPr lvl="0"/>
             <a:r>
-              <a:rPr lang="de-DE" altLang="de-DE" smtClean="0"/>
+              <a:rPr lang="de-DE" altLang="de-DE"/>
               <a:t>Mastertitelformat bearbeiten</a:t>
             </a:r>
           </a:p>
@@ -810,13 +784,6 @@
     <p:sldLayoutId id="2147483650" r:id="rId2"/>
     <p:sldLayoutId id="2147483652" r:id="rId3"/>
   </p:sldLayoutIdLst>
-  <p:timing>
-    <p:tnLst>
-      <p:par>
-        <p:cTn id="1" dur="indefinite" restart="never" nodeType="tmRoot"/>
-      </p:par>
-    </p:tnLst>
-  </p:timing>
   <p:txStyles>
     <p:titleStyle>
       <a:lvl1pPr algn="ctr" rtl="0" eaLnBrk="1" fontAlgn="base" hangingPunct="1">
@@ -1235,7 +1202,7 @@
           <a:lstStyle/>
           <a:p>
             <a:r>
-              <a:rPr lang="de-DE" altLang="de-DE" dirty="0" smtClean="0">
+              <a:rPr lang="de-DE" altLang="de-DE" dirty="0">
                 <a:solidFill>
                   <a:schemeClr val="tx1"/>
                 </a:solidFill>
@@ -1243,7 +1210,7 @@
               <a:t>Oliver </a:t>
             </a:r>
             <a:r>
-              <a:rPr lang="de-DE" altLang="de-DE" dirty="0" err="1" smtClean="0">
+              <a:rPr lang="de-DE" altLang="de-DE" dirty="0" err="1">
                 <a:solidFill>
                   <a:schemeClr val="tx1"/>
                 </a:solidFill>
@@ -1251,23 +1218,15 @@
               <a:t>Wronka</a:t>
             </a:r>
             <a:r>
-              <a:rPr lang="de-DE" altLang="de-DE" dirty="0" smtClean="0">
-                <a:solidFill>
-                  <a:schemeClr val="tx1"/>
-                </a:solidFill>
-              </a:rPr>
-              <a:t> </a:t>
-            </a:r>
-            <a:r>
               <a:rPr lang="de-DE" altLang="de-DE" dirty="0">
                 <a:solidFill>
                   <a:schemeClr val="tx1"/>
                 </a:solidFill>
               </a:rPr>
-              <a:t>| </a:t>
-            </a:r>
-            <a:r>
-              <a:rPr lang="de-DE" altLang="de-DE" dirty="0" err="1" smtClean="0">
+              <a:t> | </a:t>
+            </a:r>
+            <a:r>
+              <a:rPr lang="de-DE" altLang="de-DE" dirty="0" err="1">
                 <a:solidFill>
                   <a:schemeClr val="tx1"/>
                 </a:solidFill>
@@ -1275,18 +1234,13 @@
               <a:t>axxessio</a:t>
             </a:r>
             <a:r>
-              <a:rPr lang="de-DE" altLang="de-DE" dirty="0" smtClean="0">
+              <a:rPr lang="de-DE" altLang="de-DE" dirty="0">
                 <a:solidFill>
                   <a:schemeClr val="tx1"/>
                 </a:solidFill>
               </a:rPr>
               <a:t> GmbH - Bonn</a:t>
             </a:r>
-            <a:endParaRPr lang="de-DE" altLang="de-DE" dirty="0">
-              <a:solidFill>
-                <a:schemeClr val="tx1"/>
-              </a:solidFill>
-            </a:endParaRPr>
           </a:p>
         </p:txBody>
       </p:sp>
@@ -1306,7 +1260,7 @@
           <a:lstStyle/>
           <a:p>
             <a:r>
-              <a:rPr lang="de-DE" altLang="de-DE" dirty="0" err="1" smtClean="0">
+              <a:rPr lang="de-DE" altLang="de-DE" dirty="0" err="1">
                 <a:solidFill>
                   <a:schemeClr val="tx1"/>
                 </a:solidFill>
@@ -1314,7 +1268,7 @@
               <a:t>Resilient</a:t>
             </a:r>
             <a:r>
-              <a:rPr lang="de-DE" altLang="de-DE" dirty="0" smtClean="0">
+              <a:rPr lang="de-DE" altLang="de-DE" dirty="0">
                 <a:solidFill>
                   <a:schemeClr val="tx1"/>
                 </a:solidFill>
@@ -1322,14 +1276,14 @@
               <a:t> </a:t>
             </a:r>
             <a:r>
-              <a:rPr lang="de-DE" altLang="de-DE" dirty="0" err="1" smtClean="0">
+              <a:rPr lang="de-DE" altLang="de-DE" dirty="0" err="1">
                 <a:solidFill>
                   <a:schemeClr val="tx1"/>
                 </a:solidFill>
               </a:rPr>
               <a:t>Microservices</a:t>
             </a:r>
-            <a:endParaRPr lang="de-DE" altLang="de-DE" dirty="0" smtClean="0">
+            <a:endParaRPr lang="de-DE" altLang="de-DE" dirty="0">
               <a:solidFill>
                 <a:schemeClr val="tx1"/>
               </a:solidFill>
@@ -1337,18 +1291,13 @@
           </a:p>
           <a:p>
             <a:r>
-              <a:rPr lang="de-DE" altLang="de-DE" dirty="0" smtClean="0">
+              <a:rPr lang="de-DE" altLang="de-DE" dirty="0">
                 <a:solidFill>
                   <a:schemeClr val="tx1"/>
                 </a:solidFill>
               </a:rPr>
               <a:t>Tag 2</a:t>
             </a:r>
-            <a:endParaRPr lang="de-DE" altLang="de-DE" dirty="0">
-              <a:solidFill>
-                <a:schemeClr val="tx1"/>
-              </a:solidFill>
-            </a:endParaRPr>
           </a:p>
         </p:txBody>
       </p:sp>
@@ -1407,13 +1356,6 @@
   <p:clrMapOvr>
     <a:masterClrMapping/>
   </p:clrMapOvr>
-  <p:timing>
-    <p:tnLst>
-      <p:par>
-        <p:cTn id="1" dur="indefinite" restart="never" nodeType="tmRoot"/>
-      </p:par>
-    </p:tnLst>
-  </p:timing>
 </p:sld>
 </file>
 
@@ -1450,10 +1392,9 @@
           <a:lstStyle/>
           <a:p>
             <a:r>
-              <a:rPr lang="de-DE" dirty="0" smtClean="0"/>
+              <a:rPr lang="de-DE" dirty="0"/>
               <a:t>Zuordnung</a:t>
             </a:r>
-            <a:endParaRPr lang="de-DE" dirty="0"/>
           </a:p>
         </p:txBody>
       </p:sp>
@@ -1466,7 +1407,7 @@
         <p:spPr>
           <a:xfrm>
             <a:off x="297322" y="1146692"/>
-            <a:ext cx="4807726" cy="830997"/>
+            <a:ext cx="2270173" cy="830997"/>
           </a:xfrm>
           <a:prstGeom prst="rect">
             <a:avLst/>
@@ -1480,24 +1421,23 @@
           <a:lstStyle/>
           <a:p>
             <a:r>
-              <a:rPr lang="de-DE" dirty="0" err="1" smtClean="0"/>
+              <a:rPr lang="de-DE" dirty="0" err="1"/>
               <a:t>Buildmanager</a:t>
             </a:r>
             <a:r>
-              <a:rPr lang="de-DE" dirty="0" smtClean="0"/>
-              <a:t>: Marcel Oliver Krug</a:t>
-            </a:r>
-          </a:p>
-          <a:p>
-            <a:r>
-              <a:rPr lang="de-DE" dirty="0" err="1" smtClean="0"/>
+              <a:rPr lang="de-DE" dirty="0"/>
+              <a:t>: </a:t>
+            </a:r>
+          </a:p>
+          <a:p>
+            <a:r>
+              <a:rPr lang="de-DE" dirty="0" err="1"/>
               <a:t>Scrum</a:t>
             </a:r>
             <a:r>
-              <a:rPr lang="de-DE" dirty="0" smtClean="0"/>
-              <a:t> Master: Simon Brinkmann</a:t>
-            </a:r>
-            <a:endParaRPr lang="de-DE" dirty="0"/>
+              <a:rPr lang="de-DE" dirty="0"/>
+              <a:t> Master: </a:t>
+            </a:r>
           </a:p>
         </p:txBody>
       </p:sp>
@@ -1510,7 +1450,7 @@
           <p:nvPr>
             <p:extLst>
               <p:ext uri="{D42A27DB-BD31-4B8C-83A1-F6EECF244321}">
-                <p14:modId xmlns:p14="http://schemas.microsoft.com/office/powerpoint/2010/main" val="1196161601"/>
+                <p14:modId xmlns:p14="http://schemas.microsoft.com/office/powerpoint/2010/main" val="1536270496"/>
               </p:ext>
             </p:extLst>
           </p:nvPr>
@@ -1574,10 +1514,9 @@
                     <a:p>
                       <a:pPr algn="ctr"/>
                       <a:r>
-                        <a:rPr lang="de-DE" dirty="0" smtClean="0"/>
+                        <a:rPr lang="de-DE" dirty="0"/>
                         <a:t>Frontend</a:t>
                       </a:r>
-                      <a:endParaRPr lang="de-DE" dirty="0"/>
                     </a:p>
                   </a:txBody>
                   <a:tcPr anchor="ctr"/>
@@ -1589,10 +1528,9 @@
                     <a:p>
                       <a:pPr algn="ctr"/>
                       <a:r>
-                        <a:rPr lang="de-DE" dirty="0" smtClean="0"/>
+                        <a:rPr lang="de-DE" dirty="0"/>
                         <a:t>Service</a:t>
                       </a:r>
-                      <a:endParaRPr lang="de-DE" dirty="0"/>
                     </a:p>
                   </a:txBody>
                   <a:tcPr anchor="ctr"/>
@@ -1604,10 +1542,9 @@
                     <a:p>
                       <a:pPr algn="ctr"/>
                       <a:r>
-                        <a:rPr lang="de-DE" dirty="0" smtClean="0"/>
+                        <a:rPr lang="de-DE" dirty="0"/>
                         <a:t>Persistenz</a:t>
                       </a:r>
-                      <a:endParaRPr lang="de-DE" dirty="0"/>
                     </a:p>
                   </a:txBody>
                   <a:tcPr anchor="ctr"/>
@@ -1626,9 +1563,19 @@
                     <a:p>
                       <a:pPr algn="ctr"/>
                       <a:r>
-                        <a:rPr lang="de-DE" dirty="0" smtClean="0"/>
+                        <a:rPr lang="de-DE" dirty="0"/>
                         <a:t>Registration</a:t>
                       </a:r>
+                    </a:p>
+                  </a:txBody>
+                  <a:tcPr anchor="ctr"/>
+                </a:tc>
+                <a:tc>
+                  <a:txBody>
+                    <a:bodyPr/>
+                    <a:lstStyle/>
+                    <a:p>
+                      <a:pPr algn="ctr"/>
                       <a:endParaRPr lang="de-DE" dirty="0"/>
                     </a:p>
                   </a:txBody>
@@ -1640,10 +1587,6 @@
                     <a:lstStyle/>
                     <a:p>
                       <a:pPr algn="ctr"/>
-                      <a:r>
-                        <a:rPr lang="de-DE" dirty="0" smtClean="0"/>
-                        <a:t>Max Scheithauer</a:t>
-                      </a:r>
                       <a:endParaRPr lang="de-DE" dirty="0"/>
                     </a:p>
                   </a:txBody>
@@ -1655,33 +1598,6 @@
                     <a:lstStyle/>
                     <a:p>
                       <a:pPr algn="ctr"/>
-                      <a:r>
-                        <a:rPr lang="de-DE" dirty="0" smtClean="0"/>
-                        <a:t>Vanessa</a:t>
-                      </a:r>
-                      <a:r>
-                        <a:rPr lang="de-DE" baseline="0" dirty="0" smtClean="0"/>
-                        <a:t> </a:t>
-                      </a:r>
-                      <a:r>
-                        <a:rPr lang="de-DE" baseline="0" dirty="0" err="1" smtClean="0"/>
-                        <a:t>Schreuder</a:t>
-                      </a:r>
-                      <a:endParaRPr lang="de-DE" dirty="0"/>
-                    </a:p>
-                  </a:txBody>
-                  <a:tcPr anchor="ctr"/>
-                </a:tc>
-                <a:tc>
-                  <a:txBody>
-                    <a:bodyPr/>
-                    <a:lstStyle/>
-                    <a:p>
-                      <a:pPr algn="ctr"/>
-                      <a:r>
-                        <a:rPr lang="de-DE" dirty="0" smtClean="0"/>
-                        <a:t>Nils Koch</a:t>
-                      </a:r>
                       <a:endParaRPr lang="de-DE" dirty="0"/>
                     </a:p>
                   </a:txBody>
@@ -1701,10 +1617,9 @@
                     <a:p>
                       <a:pPr algn="ctr"/>
                       <a:r>
-                        <a:rPr lang="de-DE" dirty="0" smtClean="0"/>
+                        <a:rPr lang="de-DE" dirty="0"/>
                         <a:t>Login</a:t>
                       </a:r>
-                      <a:endParaRPr lang="de-DE" dirty="0"/>
                     </a:p>
                   </a:txBody>
                   <a:tcPr anchor="ctr"/>
@@ -1715,10 +1630,6 @@
                     <a:lstStyle/>
                     <a:p>
                       <a:pPr algn="ctr"/>
-                      <a:r>
-                        <a:rPr lang="de-DE" dirty="0" smtClean="0"/>
-                        <a:t>Rabia Akin</a:t>
-                      </a:r>
                       <a:endParaRPr lang="de-DE" dirty="0"/>
                     </a:p>
                   </a:txBody>
@@ -1746,19 +1657,7 @@
                         <a:tabLst/>
                         <a:defRPr/>
                       </a:pPr>
-                      <a:r>
-                        <a:rPr lang="de-DE" dirty="0" smtClean="0"/>
-                        <a:t>Stefan</a:t>
-                      </a:r>
-                      <a:r>
-                        <a:rPr lang="de-DE" baseline="0" dirty="0" smtClean="0"/>
-                        <a:t> </a:t>
-                      </a:r>
-                      <a:r>
-                        <a:rPr lang="de-DE" baseline="0" dirty="0" err="1" smtClean="0"/>
-                        <a:t>Lorse</a:t>
-                      </a:r>
-                      <a:endParaRPr lang="de-DE" dirty="0" smtClean="0"/>
+                      <a:endParaRPr lang="de-DE" dirty="0"/>
                     </a:p>
                   </a:txBody>
                   <a:tcPr anchor="ctr"/>
@@ -1769,18 +1668,6 @@
                     <a:lstStyle/>
                     <a:p>
                       <a:pPr algn="ctr"/>
-                      <a:r>
-                        <a:rPr lang="de-DE" dirty="0" err="1" smtClean="0"/>
-                        <a:t>Hajar</a:t>
-                      </a:r>
-                      <a:r>
-                        <a:rPr lang="de-DE" dirty="0" smtClean="0"/>
-                        <a:t> </a:t>
-                      </a:r>
-                      <a:r>
-                        <a:rPr lang="de-DE" dirty="0" err="1" smtClean="0"/>
-                        <a:t>Menssouri</a:t>
-                      </a:r>
                       <a:endParaRPr lang="de-DE" dirty="0"/>
                     </a:p>
                   </a:txBody>
@@ -1800,9 +1687,19 @@
                     <a:p>
                       <a:pPr algn="ctr"/>
                       <a:r>
-                        <a:rPr lang="de-DE" dirty="0" smtClean="0"/>
+                        <a:rPr lang="de-DE" dirty="0"/>
                         <a:t>Content</a:t>
                       </a:r>
+                    </a:p>
+                  </a:txBody>
+                  <a:tcPr anchor="ctr"/>
+                </a:tc>
+                <a:tc>
+                  <a:txBody>
+                    <a:bodyPr/>
+                    <a:lstStyle/>
+                    <a:p>
+                      <a:pPr algn="ctr"/>
                       <a:endParaRPr lang="de-DE" dirty="0"/>
                     </a:p>
                   </a:txBody>
@@ -1814,14 +1711,6 @@
                     <a:lstStyle/>
                     <a:p>
                       <a:pPr algn="ctr"/>
-                      <a:r>
-                        <a:rPr lang="de-DE" dirty="0" smtClean="0"/>
-                        <a:t>Sarah </a:t>
-                      </a:r>
-                      <a:r>
-                        <a:rPr lang="de-DE" dirty="0" err="1" smtClean="0"/>
-                        <a:t>Waleczek</a:t>
-                      </a:r>
                       <a:endParaRPr lang="de-DE" dirty="0"/>
                     </a:p>
                   </a:txBody>
@@ -1833,37 +1722,6 @@
                     <a:lstStyle/>
                     <a:p>
                       <a:pPr algn="ctr"/>
-                      <a:r>
-                        <a:rPr lang="de-DE" dirty="0" smtClean="0"/>
-                        <a:t>Thomas </a:t>
-                      </a:r>
-                      <a:r>
-                        <a:rPr lang="de-DE" dirty="0" err="1" smtClean="0"/>
-                        <a:t>Herent</a:t>
-                      </a:r>
-                      <a:endParaRPr lang="de-DE" dirty="0"/>
-                    </a:p>
-                  </a:txBody>
-                  <a:tcPr anchor="ctr"/>
-                </a:tc>
-                <a:tc>
-                  <a:txBody>
-                    <a:bodyPr/>
-                    <a:lstStyle/>
-                    <a:p>
-                      <a:pPr algn="ctr"/>
-                      <a:r>
-                        <a:rPr lang="de-DE" dirty="0" err="1" smtClean="0"/>
-                        <a:t>Cansu</a:t>
-                      </a:r>
-                      <a:r>
-                        <a:rPr lang="de-DE" dirty="0" smtClean="0"/>
-                        <a:t> Emine </a:t>
-                      </a:r>
-                      <a:r>
-                        <a:rPr lang="de-DE" dirty="0" err="1" smtClean="0"/>
-                        <a:t>Bugdayci</a:t>
-                      </a:r>
                       <a:endParaRPr lang="de-DE" dirty="0"/>
                     </a:p>
                   </a:txBody>
@@ -1889,13 +1747,6 @@
   <p:clrMapOvr>
     <a:masterClrMapping/>
   </p:clrMapOvr>
-  <p:timing>
-    <p:tnLst>
-      <p:par>
-        <p:cTn id="1" dur="indefinite" restart="never" nodeType="tmRoot"/>
-      </p:par>
-    </p:tnLst>
-  </p:timing>
 </p:sld>
 </file>
 
@@ -1939,14 +1790,13 @@
           <a:lstStyle/>
           <a:p>
             <a:r>
-              <a:rPr lang="de-DE" altLang="de-DE" dirty="0" err="1" smtClean="0"/>
+              <a:rPr lang="de-DE" altLang="de-DE" dirty="0" err="1"/>
               <a:t>Backlog</a:t>
             </a:r>
             <a:r>
-              <a:rPr lang="de-DE" altLang="de-DE" dirty="0" smtClean="0"/>
+              <a:rPr lang="de-DE" altLang="de-DE" dirty="0"/>
               <a:t> erzeugen</a:t>
             </a:r>
-            <a:endParaRPr lang="de-DE" altLang="de-DE" dirty="0"/>
           </a:p>
         </p:txBody>
       </p:sp>
@@ -1973,11 +1823,11 @@
           <a:lstStyle/>
           <a:p>
             <a:r>
-              <a:rPr lang="de-DE" dirty="0" err="1" smtClean="0"/>
+              <a:rPr lang="de-DE" dirty="0" err="1"/>
               <a:t>Epics</a:t>
             </a:r>
             <a:r>
-              <a:rPr lang="de-DE" dirty="0" smtClean="0"/>
+              <a:rPr lang="de-DE" dirty="0"/>
               <a:t>: Login, Registration, Content</a:t>
             </a:r>
           </a:p>
@@ -1986,7 +1836,7 @@
           </a:p>
           <a:p>
             <a:r>
-              <a:rPr lang="de-DE" dirty="0" smtClean="0"/>
+              <a:rPr lang="de-DE" dirty="0"/>
               <a:t>User Stories: Als unangemeldeter Benutzer möchte ich …</a:t>
             </a:r>
           </a:p>
@@ -1995,18 +1845,17 @@
           </a:p>
           <a:p>
             <a:r>
-              <a:rPr lang="de-DE" dirty="0" smtClean="0"/>
+              <a:rPr lang="de-DE" dirty="0"/>
               <a:t>Tasks: techn. </a:t>
             </a:r>
             <a:r>
-              <a:rPr lang="de-DE" dirty="0" err="1" smtClean="0"/>
+              <a:rPr lang="de-DE" dirty="0" err="1"/>
               <a:t>ToDos</a:t>
             </a:r>
             <a:r>
-              <a:rPr lang="de-DE" dirty="0" smtClean="0"/>
+              <a:rPr lang="de-DE" dirty="0"/>
               <a:t> auf Ebene Frontend, Service und Backend</a:t>
             </a:r>
-            <a:endParaRPr lang="de-DE" dirty="0"/>
           </a:p>
         </p:txBody>
       </p:sp>
@@ -2015,13 +1864,6 @@
   <p:clrMapOvr>
     <a:masterClrMapping/>
   </p:clrMapOvr>
-  <p:timing>
-    <p:tnLst>
-      <p:par>
-        <p:cTn id="1" dur="indefinite" restart="never" nodeType="tmRoot"/>
-      </p:par>
-    </p:tnLst>
-  </p:timing>
 </p:sld>
 </file>
 
@@ -2058,10 +1900,9 @@
           <a:lstStyle/>
           <a:p>
             <a:r>
-              <a:rPr lang="de-DE" dirty="0" smtClean="0"/>
+              <a:rPr lang="de-DE" dirty="0"/>
               <a:t>Tasks (Persistenz)</a:t>
             </a:r>
-            <a:endParaRPr lang="de-DE" dirty="0"/>
           </a:p>
         </p:txBody>
       </p:sp>
@@ -2086,39 +1927,31 @@
           <a:lstStyle/>
           <a:p>
             <a:r>
-              <a:rPr lang="de-DE" dirty="0" smtClean="0"/>
+              <a:rPr lang="de-DE" dirty="0"/>
               <a:t>Datenmodell erstellen</a:t>
             </a:r>
           </a:p>
           <a:p>
             <a:r>
-              <a:rPr lang="de-DE" dirty="0" smtClean="0"/>
+              <a:rPr lang="de-DE" dirty="0"/>
               <a:t>SQL-Statements programmieren</a:t>
             </a:r>
           </a:p>
           <a:p>
             <a:r>
-              <a:rPr lang="de-DE" dirty="0" smtClean="0"/>
-              <a:t>CRUD </a:t>
-            </a:r>
-            <a:r>
               <a:rPr lang="de-DE" dirty="0"/>
-              <a:t>I</a:t>
-            </a:r>
-            <a:r>
-              <a:rPr lang="de-DE" dirty="0" smtClean="0"/>
-              <a:t>nterface definieren</a:t>
-            </a:r>
-          </a:p>
-          <a:p>
-            <a:r>
-              <a:rPr lang="de-DE" dirty="0" smtClean="0"/>
+              <a:t>CRUD Interface definieren</a:t>
+            </a:r>
+          </a:p>
+          <a:p>
+            <a:r>
+              <a:rPr lang="de-DE" dirty="0"/>
               <a:t>CRUD Interface implementieren</a:t>
             </a:r>
           </a:p>
           <a:p>
             <a:r>
-              <a:rPr lang="de-DE" dirty="0" smtClean="0"/>
+              <a:rPr lang="de-DE" dirty="0"/>
               <a:t>UNIT-Tests programmieren</a:t>
             </a:r>
           </a:p>
@@ -2140,13 +1973,6 @@
   <p:clrMapOvr>
     <a:masterClrMapping/>
   </p:clrMapOvr>
-  <p:timing>
-    <p:tnLst>
-      <p:par>
-        <p:cTn id="1" dur="indefinite" restart="never" nodeType="tmRoot"/>
-      </p:par>
-    </p:tnLst>
-  </p:timing>
 </p:sld>
 </file>
 
@@ -2183,10 +2009,9 @@
           <a:lstStyle/>
           <a:p>
             <a:r>
-              <a:rPr lang="de-DE" dirty="0" smtClean="0"/>
+              <a:rPr lang="de-DE" dirty="0"/>
               <a:t>Tasks (Service)</a:t>
             </a:r>
-            <a:endParaRPr lang="de-DE" dirty="0"/>
           </a:p>
         </p:txBody>
       </p:sp>
@@ -2211,33 +2036,25 @@
           <a:lstStyle/>
           <a:p>
             <a:r>
-              <a:rPr lang="de-DE" dirty="0" smtClean="0"/>
+              <a:rPr lang="de-DE" dirty="0"/>
               <a:t>REST Interface definieren</a:t>
             </a:r>
           </a:p>
           <a:p>
             <a:r>
-              <a:rPr lang="de-DE" dirty="0" smtClean="0"/>
+              <a:rPr lang="de-DE" dirty="0"/>
               <a:t>REST Interface programmieren</a:t>
             </a:r>
           </a:p>
           <a:p>
             <a:r>
-              <a:rPr lang="de-DE" dirty="0" smtClean="0"/>
-              <a:t>CRUD </a:t>
-            </a:r>
-            <a:r>
               <a:rPr lang="de-DE" dirty="0"/>
-              <a:t>I</a:t>
-            </a:r>
-            <a:r>
-              <a:rPr lang="de-DE" dirty="0" smtClean="0"/>
-              <a:t>nterface integrieren</a:t>
-            </a:r>
-          </a:p>
-          <a:p>
-            <a:r>
-              <a:rPr lang="de-DE" dirty="0" smtClean="0"/>
+              <a:t>CRUD Interface integrieren</a:t>
+            </a:r>
+          </a:p>
+          <a:p>
+            <a:r>
+              <a:rPr lang="de-DE" dirty="0"/>
               <a:t>UNIT-Tests programmieren</a:t>
             </a:r>
           </a:p>
@@ -2259,13 +2076,6 @@
   <p:clrMapOvr>
     <a:masterClrMapping/>
   </p:clrMapOvr>
-  <p:timing>
-    <p:tnLst>
-      <p:par>
-        <p:cTn id="1" dur="indefinite" restart="never" nodeType="tmRoot"/>
-      </p:par>
-    </p:tnLst>
-  </p:timing>
 </p:sld>
 </file>
 
@@ -2302,10 +2112,9 @@
           <a:lstStyle/>
           <a:p>
             <a:r>
-              <a:rPr lang="de-DE" dirty="0" smtClean="0"/>
+              <a:rPr lang="de-DE" dirty="0"/>
               <a:t>Tasks (Frontend)</a:t>
             </a:r>
-            <a:endParaRPr lang="de-DE" dirty="0"/>
           </a:p>
         </p:txBody>
       </p:sp>
@@ -2330,33 +2139,25 @@
           <a:lstStyle/>
           <a:p>
             <a:r>
-              <a:rPr lang="de-DE" dirty="0" smtClean="0"/>
+              <a:rPr lang="de-DE" dirty="0"/>
               <a:t>GUI Interface definieren</a:t>
             </a:r>
           </a:p>
           <a:p>
             <a:r>
-              <a:rPr lang="de-DE" dirty="0" smtClean="0"/>
+              <a:rPr lang="de-DE" dirty="0"/>
               <a:t>GUI Interface programmieren</a:t>
             </a:r>
           </a:p>
           <a:p>
             <a:r>
-              <a:rPr lang="de-DE" dirty="0" smtClean="0"/>
-              <a:t>REST </a:t>
-            </a:r>
-            <a:r>
               <a:rPr lang="de-DE" dirty="0"/>
-              <a:t>I</a:t>
-            </a:r>
-            <a:r>
-              <a:rPr lang="de-DE" dirty="0" smtClean="0"/>
-              <a:t>nterface integrieren</a:t>
-            </a:r>
-          </a:p>
-          <a:p>
-            <a:r>
-              <a:rPr lang="de-DE" dirty="0" smtClean="0"/>
+              <a:t>REST Interface integrieren</a:t>
+            </a:r>
+          </a:p>
+          <a:p>
+            <a:r>
+              <a:rPr lang="de-DE" dirty="0"/>
               <a:t>UNIT-Tests programmieren</a:t>
             </a:r>
           </a:p>
@@ -2378,13 +2179,6 @@
   <p:clrMapOvr>
     <a:masterClrMapping/>
   </p:clrMapOvr>
-  <p:timing>
-    <p:tnLst>
-      <p:par>
-        <p:cTn id="1" dur="indefinite" restart="never" nodeType="tmRoot"/>
-      </p:par>
-    </p:tnLst>
-  </p:timing>
 </p:sld>
 </file>
 
@@ -2421,10 +2215,9 @@
           <a:lstStyle/>
           <a:p>
             <a:r>
-              <a:rPr lang="de-DE" dirty="0" smtClean="0"/>
+              <a:rPr lang="de-DE" dirty="0"/>
               <a:t>Architektur</a:t>
             </a:r>
-            <a:endParaRPr lang="de-DE" dirty="0"/>
           </a:p>
         </p:txBody>
       </p:sp>
@@ -2492,7 +2285,7 @@
               <a:tabLst/>
             </a:pPr>
             <a:r>
-              <a:rPr kumimoji="0" lang="de-DE" sz="2400" b="0" i="0" u="none" strike="noStrike" cap="none" normalizeH="0" baseline="0" dirty="0" smtClean="0">
+              <a:rPr kumimoji="0" lang="de-DE" sz="2400" b="0" i="0" u="none" strike="noStrike" cap="none" normalizeH="0" baseline="0" dirty="0">
                 <a:ln>
                   <a:noFill/>
                 </a:ln>
@@ -2572,10 +2365,10 @@
               <a:tabLst/>
             </a:pPr>
             <a:r>
-              <a:rPr lang="de-DE" dirty="0" smtClean="0"/>
+              <a:rPr lang="de-DE" dirty="0"/>
               <a:t>Service</a:t>
             </a:r>
-            <a:endParaRPr kumimoji="0" lang="de-DE" sz="2400" b="0" i="0" u="none" strike="noStrike" cap="none" normalizeH="0" baseline="0" dirty="0" smtClean="0">
+            <a:endParaRPr kumimoji="0" lang="de-DE" sz="2400" b="0" i="0" u="none" strike="noStrike" cap="none" normalizeH="0" baseline="0" dirty="0">
               <a:ln>
                 <a:noFill/>
               </a:ln>
@@ -2653,7 +2446,7 @@
               <a:tabLst/>
             </a:pPr>
             <a:r>
-              <a:rPr kumimoji="0" lang="de-DE" sz="2400" b="0" i="0" u="none" strike="noStrike" cap="none" normalizeH="0" baseline="0" smtClean="0">
+              <a:rPr kumimoji="0" lang="de-DE" sz="2400" b="0" i="0" u="none" strike="noStrike" cap="none" normalizeH="0" baseline="0">
                 <a:ln>
                   <a:noFill/>
                 </a:ln>
@@ -2733,10 +2526,10 @@
               <a:tabLst/>
             </a:pPr>
             <a:r>
-              <a:rPr lang="de-DE" dirty="0" smtClean="0"/>
+              <a:rPr lang="de-DE" dirty="0"/>
               <a:t>Persistenz</a:t>
             </a:r>
-            <a:endParaRPr kumimoji="0" lang="de-DE" sz="2400" b="0" i="0" u="none" strike="noStrike" cap="none" normalizeH="0" baseline="0" dirty="0" smtClean="0">
+            <a:endParaRPr kumimoji="0" lang="de-DE" sz="2400" b="0" i="0" u="none" strike="noStrike" cap="none" normalizeH="0" baseline="0" dirty="0">
               <a:ln>
                 <a:noFill/>
               </a:ln>
@@ -2902,10 +2695,9 @@
           <a:lstStyle/>
           <a:p>
             <a:r>
-              <a:rPr lang="de-DE" dirty="0" smtClean="0"/>
+              <a:rPr lang="de-DE" dirty="0"/>
               <a:t>REST</a:t>
             </a:r>
-            <a:endParaRPr lang="de-DE" dirty="0"/>
           </a:p>
         </p:txBody>
       </p:sp>
@@ -2932,10 +2724,9 @@
           <a:lstStyle/>
           <a:p>
             <a:r>
-              <a:rPr lang="de-DE" dirty="0" smtClean="0"/>
+              <a:rPr lang="de-DE" dirty="0"/>
               <a:t>SQL</a:t>
             </a:r>
-            <a:endParaRPr lang="de-DE" dirty="0"/>
           </a:p>
         </p:txBody>
       </p:sp>
@@ -2962,22 +2753,21 @@
           <a:lstStyle/>
           <a:p>
             <a:r>
-              <a:rPr lang="de-DE" dirty="0" smtClean="0"/>
+              <a:rPr lang="de-DE" dirty="0"/>
               <a:t>POST /Registration</a:t>
             </a:r>
           </a:p>
           <a:p>
             <a:r>
-              <a:rPr lang="de-DE" dirty="0" smtClean="0"/>
+              <a:rPr lang="de-DE" dirty="0"/>
               <a:t>GET /Login</a:t>
             </a:r>
           </a:p>
           <a:p>
             <a:r>
-              <a:rPr lang="de-DE" dirty="0" smtClean="0"/>
+              <a:rPr lang="de-DE" dirty="0"/>
               <a:t>GET /Content </a:t>
             </a:r>
-            <a:endParaRPr lang="de-DE" dirty="0"/>
           </a:p>
         </p:txBody>
       </p:sp>
@@ -3004,56 +2794,51 @@
           <a:lstStyle/>
           <a:p>
             <a:r>
-              <a:rPr lang="de-DE" dirty="0" err="1" smtClean="0"/>
+              <a:rPr lang="de-DE" dirty="0" err="1"/>
               <a:t>create</a:t>
             </a:r>
             <a:r>
-              <a:rPr lang="de-DE" dirty="0" smtClean="0"/>
+              <a:rPr lang="de-DE" dirty="0"/>
               <a:t> </a:t>
             </a:r>
             <a:r>
-              <a:rPr lang="de-DE" dirty="0" err="1" smtClean="0"/>
+              <a:rPr lang="de-DE" dirty="0" err="1"/>
               <a:t>person</a:t>
             </a:r>
-            <a:endParaRPr lang="de-DE" dirty="0" smtClean="0"/>
-          </a:p>
-          <a:p>
-            <a:r>
-              <a:rPr lang="de-DE" dirty="0" err="1" smtClean="0"/>
+            <a:endParaRPr lang="de-DE" dirty="0"/>
+          </a:p>
+          <a:p>
+            <a:r>
+              <a:rPr lang="de-DE" dirty="0" err="1"/>
               <a:t>read</a:t>
             </a:r>
             <a:r>
-              <a:rPr lang="de-DE" dirty="0" smtClean="0"/>
+              <a:rPr lang="de-DE" dirty="0"/>
               <a:t> </a:t>
             </a:r>
             <a:r>
-              <a:rPr lang="de-DE" dirty="0" err="1" smtClean="0"/>
+              <a:rPr lang="de-DE" dirty="0" err="1"/>
               <a:t>person</a:t>
             </a:r>
-            <a:endParaRPr lang="de-DE" dirty="0" smtClean="0"/>
+            <a:endParaRPr lang="de-DE" dirty="0"/>
           </a:p>
           <a:p>
             <a:r>
               <a:rPr lang="de-DE" dirty="0" err="1"/>
-              <a:t>r</a:t>
-            </a:r>
-            <a:r>
-              <a:rPr lang="de-DE" dirty="0" err="1" smtClean="0"/>
-              <a:t>ead</a:t>
-            </a:r>
-            <a:r>
-              <a:rPr lang="de-DE" dirty="0" smtClean="0"/>
+              <a:t>read</a:t>
+            </a:r>
+            <a:r>
+              <a:rPr lang="de-DE" dirty="0"/>
               <a:t> </a:t>
             </a:r>
             <a:r>
-              <a:rPr lang="de-DE" dirty="0" err="1" smtClean="0"/>
+              <a:rPr lang="de-DE" dirty="0" err="1"/>
               <a:t>area</a:t>
             </a:r>
             <a:r>
-              <a:rPr lang="de-DE" dirty="0" smtClean="0"/>
+              <a:rPr lang="de-DE" dirty="0"/>
               <a:t> </a:t>
             </a:r>
-            <a:endParaRPr lang="de-DE" dirty="0"/>
           </a:p>
         </p:txBody>
       </p:sp>
@@ -3080,52 +2865,51 @@
           <a:lstStyle/>
           <a:p>
             <a:r>
-              <a:rPr lang="de-DE" dirty="0" err="1" smtClean="0"/>
+              <a:rPr lang="de-DE" dirty="0" err="1"/>
               <a:t>insert</a:t>
             </a:r>
             <a:r>
-              <a:rPr lang="de-DE" dirty="0" smtClean="0"/>
+              <a:rPr lang="de-DE" dirty="0"/>
               <a:t> </a:t>
             </a:r>
             <a:r>
-              <a:rPr lang="de-DE" dirty="0" err="1" smtClean="0"/>
+              <a:rPr lang="de-DE" dirty="0" err="1"/>
               <a:t>person</a:t>
             </a:r>
-            <a:endParaRPr lang="de-DE" dirty="0" smtClean="0"/>
-          </a:p>
-          <a:p>
-            <a:r>
-              <a:rPr lang="de-DE" dirty="0" err="1" smtClean="0"/>
+            <a:endParaRPr lang="de-DE" dirty="0"/>
+          </a:p>
+          <a:p>
+            <a:r>
+              <a:rPr lang="de-DE" dirty="0" err="1"/>
               <a:t>select</a:t>
             </a:r>
             <a:r>
-              <a:rPr lang="de-DE" dirty="0" smtClean="0"/>
+              <a:rPr lang="de-DE" dirty="0"/>
               <a:t> </a:t>
             </a:r>
             <a:r>
-              <a:rPr lang="de-DE" dirty="0" err="1" smtClean="0"/>
+              <a:rPr lang="de-DE" dirty="0" err="1"/>
               <a:t>person</a:t>
             </a:r>
-            <a:endParaRPr lang="de-DE" dirty="0" smtClean="0"/>
-          </a:p>
-          <a:p>
-            <a:r>
-              <a:rPr lang="de-DE" dirty="0" err="1" smtClean="0"/>
+            <a:endParaRPr lang="de-DE" dirty="0"/>
+          </a:p>
+          <a:p>
+            <a:r>
+              <a:rPr lang="de-DE" dirty="0" err="1"/>
               <a:t>select</a:t>
             </a:r>
             <a:r>
-              <a:rPr lang="de-DE" dirty="0" smtClean="0"/>
+              <a:rPr lang="de-DE" dirty="0"/>
               <a:t> </a:t>
             </a:r>
             <a:r>
-              <a:rPr lang="de-DE" dirty="0" err="1" smtClean="0"/>
+              <a:rPr lang="de-DE" dirty="0" err="1"/>
               <a:t>area</a:t>
             </a:r>
             <a:r>
-              <a:rPr lang="de-DE" dirty="0" smtClean="0"/>
+              <a:rPr lang="de-DE" dirty="0"/>
               <a:t> </a:t>
             </a:r>
-            <a:endParaRPr lang="de-DE" dirty="0"/>
           </a:p>
         </p:txBody>
       </p:sp>
@@ -3179,13 +2963,6 @@
   <p:clrMapOvr>
     <a:masterClrMapping/>
   </p:clrMapOvr>
-  <p:timing>
-    <p:tnLst>
-      <p:par>
-        <p:cTn id="1" dur="indefinite" restart="never" nodeType="tmRoot"/>
-      </p:par>
-    </p:tnLst>
-  </p:timing>
 </p:sld>
 </file>
 
@@ -3276,33 +3053,28 @@
           <a:p>
             <a:pPr algn="ctr"/>
             <a:r>
-              <a:rPr lang="de-DE" sz="4400" b="1" dirty="0" err="1" smtClean="0"/>
+              <a:rPr lang="de-DE" sz="4400" b="1" dirty="0" err="1"/>
               <a:t>axxessio</a:t>
             </a:r>
-            <a:r>
-              <a:rPr lang="de-DE" dirty="0" smtClean="0"/>
-              <a:t/>
-            </a:r>
             <a:br>
-              <a:rPr lang="de-DE" dirty="0" smtClean="0"/>
+              <a:rPr lang="de-DE" dirty="0"/>
             </a:br>
             <a:r>
-              <a:rPr lang="de-DE" sz="2200" dirty="0" err="1" smtClean="0"/>
+              <a:rPr lang="de-DE" sz="2200" dirty="0" err="1"/>
               <a:t>Consider</a:t>
             </a:r>
             <a:r>
-              <a:rPr lang="de-DE" sz="2200" dirty="0" smtClean="0"/>
+              <a:rPr lang="de-DE" sz="2200" dirty="0"/>
               <a:t> IT </a:t>
             </a:r>
             <a:r>
-              <a:rPr lang="de-DE" sz="2200" dirty="0" err="1" smtClean="0"/>
+              <a:rPr lang="de-DE" sz="2200" dirty="0" err="1"/>
               <a:t>done</a:t>
             </a:r>
             <a:r>
-              <a:rPr lang="de-DE" sz="2200" dirty="0" smtClean="0"/>
+              <a:rPr lang="de-DE" sz="2200" dirty="0"/>
               <a:t>!</a:t>
             </a:r>
-            <a:endParaRPr lang="de-DE" sz="2200" dirty="0"/>
           </a:p>
         </p:txBody>
       </p:sp>
@@ -3442,13 +3214,6 @@
   <p:clrMapOvr>
     <a:masterClrMapping/>
   </p:clrMapOvr>
-  <p:timing>
-    <p:tnLst>
-      <p:par>
-        <p:cTn id="1" dur="indefinite" restart="never" nodeType="tmRoot"/>
-      </p:par>
-    </p:tnLst>
-  </p:timing>
 </p:sld>
 </file>
 
@@ -3493,10 +3258,10 @@
               <a:buNone/>
             </a:pPr>
             <a:r>
-              <a:rPr lang="de-DE" sz="8000" dirty="0" smtClean="0"/>
+              <a:rPr lang="de-DE" sz="8000" dirty="0"/>
               <a:t>Backup</a:t>
             </a:r>
-            <a:endParaRPr lang="de-DE" sz="8000" kern="0" dirty="0" smtClean="0"/>
+            <a:endParaRPr lang="de-DE" sz="8000" kern="0" dirty="0"/>
           </a:p>
         </p:txBody>
       </p:sp>
@@ -3510,13 +3275,6 @@
   <p:clrMapOvr>
     <a:masterClrMapping/>
   </p:clrMapOvr>
-  <p:timing>
-    <p:tnLst>
-      <p:par>
-        <p:cTn id="1" dur="indefinite" restart="never" nodeType="tmRoot"/>
-      </p:par>
-    </p:tnLst>
-  </p:timing>
 </p:sld>
 </file>
 
